--- a/2024 컴퓨터 그래픽스 프로젝트.pptx
+++ b/2024 컴퓨터 그래픽스 프로젝트.pptx
@@ -2,7 +2,7 @@
 <file path=ppt/presentation.xml><?xml version="1.0" encoding="utf-8"?>
 <p:presentation xmlns:r="http://schemas.openxmlformats.org/officeDocument/2006/relationships" xmlns:c="http://schemas.openxmlformats.org/drawingml/2006/chart" xmlns:a="http://schemas.openxmlformats.org/drawingml/2006/main" xmlns:dgm="http://schemas.openxmlformats.org/drawingml/2006/diagram" xmlns:dsp="http://schemas.microsoft.com/office/drawing/2008/diagram" xmlns:p="http://schemas.openxmlformats.org/presentationml/2006/main" saveSubsetFonts="1">
   <p:sldMasterIdLst>
-    <p:sldMasterId id="2147483732" r:id="rId1"/>
+    <p:sldMasterId id="2147483730" r:id="rId1"/>
   </p:sldMasterIdLst>
   <p:sldIdLst>
     <p:sldId id="256" r:id="rId2"/>
@@ -3732,32 +3732,32 @@
           </a:p>
         </p:txBody>
       </p:sp>
-      <p:sp>
-        <p:nvSpPr>
+      <p:pic>
+        <p:nvPicPr>
           <p:cNvPr id="3" name=""/>
-          <p:cNvSpPr>
-            <a:spLocks noGrp="1"/>
-          </p:cNvSpPr>
+          <p:cNvPicPr>
+            <a:picLocks noGrp="1" noChangeAspect="1"/>
+          </p:cNvPicPr>
           <p:nvPr>
             <p:ph sz="quarter" idx="13"/>
           </p:nvPr>
-        </p:nvSpPr>
-        <p:spPr/>
-        <p:txBody>
-          <a:bodyPr/>
-          <a:lstStyle/>
-          <a:p>
-            <a:pPr>
-              <a:defRPr/>
-            </a:pPr>
-            <a:r>
-              <a:rPr lang="ko-KR" altLang="en-US"/>
-              <a:t/>
-            </a:r>
-            <a:endParaRPr lang="ko-KR" altLang="en-US"/>
-          </a:p>
-        </p:txBody>
-      </p:sp>
+        </p:nvPicPr>
+        <p:blipFill rotWithShape="1">
+          <a:blip r:embed="rId2"/>
+          <a:stretch>
+            <a:fillRect/>
+          </a:stretch>
+        </p:blipFill>
+        <p:spPr>
+          <a:xfrm>
+            <a:off x="609599" y="2172543"/>
+            <a:ext cx="5370285" cy="3441601"/>
+          </a:xfrm>
+          <a:prstGeom prst="rect">
+            <a:avLst/>
+          </a:prstGeom>
+        </p:spPr>
+      </p:pic>
       <p:sp>
         <p:nvSpPr>
           <p:cNvPr id="4" name=""/>
@@ -3992,19 +3992,19 @@
             </a:pPr>
             <a:r>
               <a:rPr lang="ko-KR" altLang="en-US"/>
-              <a:t>심은 식물은 천천히 자라는데</a:t>
+              <a:t>심은 식물은 물을 줘서 자라게 할 수 있다</a:t>
             </a:r>
             <a:r>
               <a:rPr lang="en-US" altLang="ko-KR"/>
-              <a:t>,</a:t>
-            </a:r>
-            <a:r>
-              <a:rPr lang="ko-KR" altLang="en-US"/>
-              <a:t> 이때 물을 줘서 자라는 속도를 올릴 수 있다</a:t>
+              <a:t>.(R</a:t>
+            </a:r>
+            <a:r>
+              <a:rPr lang="ko-KR" altLang="en-US"/>
+              <a:t>키</a:t>
             </a:r>
             <a:r>
               <a:rPr lang="en-US" altLang="ko-KR"/>
-              <a:t>.</a:t>
+              <a:t>)</a:t>
             </a:r>
             <a:endParaRPr lang="en-US" altLang="ko-KR"/>
           </a:p>
@@ -4109,58 +4109,58 @@
           </a:p>
         </p:txBody>
       </p:sp>
-      <p:sp>
-        <p:nvSpPr>
+      <p:pic>
+        <p:nvPicPr>
           <p:cNvPr id="3" name=""/>
-          <p:cNvSpPr>
-            <a:spLocks noGrp="1"/>
-          </p:cNvSpPr>
+          <p:cNvPicPr>
+            <a:picLocks noGrp="1" noChangeAspect="1"/>
+          </p:cNvPicPr>
           <p:nvPr>
             <p:ph sz="quarter" idx="13"/>
           </p:nvPr>
-        </p:nvSpPr>
-        <p:spPr/>
-        <p:txBody>
-          <a:bodyPr/>
-          <a:lstStyle/>
-          <a:p>
-            <a:pPr>
-              <a:defRPr/>
-            </a:pPr>
-            <a:r>
-              <a:rPr lang="ko-KR" altLang="en-US"/>
-              <a:t/>
-            </a:r>
-            <a:endParaRPr lang="ko-KR" altLang="en-US"/>
-          </a:p>
-        </p:txBody>
-      </p:sp>
-      <p:sp>
-        <p:nvSpPr>
+        </p:nvPicPr>
+        <p:blipFill rotWithShape="1">
+          <a:blip r:embed="rId2"/>
+          <a:stretch>
+            <a:fillRect/>
+          </a:stretch>
+        </p:blipFill>
+        <p:spPr>
+          <a:xfrm>
+            <a:off x="609599" y="1871689"/>
+            <a:ext cx="5370285" cy="4043309"/>
+          </a:xfrm>
+          <a:prstGeom prst="rect">
+            <a:avLst/>
+          </a:prstGeom>
+        </p:spPr>
+      </p:pic>
+      <p:pic>
+        <p:nvPicPr>
           <p:cNvPr id="4" name=""/>
-          <p:cNvSpPr>
-            <a:spLocks noGrp="1"/>
-          </p:cNvSpPr>
+          <p:cNvPicPr>
+            <a:picLocks noGrp="1" noChangeAspect="1"/>
+          </p:cNvPicPr>
           <p:nvPr>
             <p:ph sz="quarter" idx="14"/>
           </p:nvPr>
-        </p:nvSpPr>
-        <p:spPr/>
-        <p:txBody>
-          <a:bodyPr/>
-          <a:lstStyle/>
-          <a:p>
-            <a:pPr>
-              <a:defRPr/>
-            </a:pPr>
-            <a:r>
-              <a:rPr lang="ko-KR" altLang="en-US"/>
-              <a:t/>
-            </a:r>
-            <a:endParaRPr lang="ko-KR" altLang="en-US"/>
-          </a:p>
-        </p:txBody>
-      </p:sp>
+        </p:nvPicPr>
+        <p:blipFill rotWithShape="1">
+          <a:blip r:embed="rId3"/>
+          <a:stretch>
+            <a:fillRect/>
+          </a:stretch>
+        </p:blipFill>
+        <p:spPr>
+          <a:xfrm>
+            <a:off x="6212113" y="1706723"/>
+            <a:ext cx="5370285" cy="4373241"/>
+          </a:xfrm>
+          <a:prstGeom prst="rect">
+            <a:avLst/>
+          </a:prstGeom>
+        </p:spPr>
+      </p:pic>
     </p:spTree>
   </p:cSld>
   <p:clrMapOvr>
